--- a/N03-DevelopmentLog/心臟影像辨識_專案進度報告統整.pptx
+++ b/N03-DevelopmentLog/心臟影像辨識_專案進度報告統整.pptx
@@ -290,7 +290,7 @@
           <a:p>
             <a:fld id="{7829F8E0-05F2-4742-BB97-D2E4F51035C8}" type="datetimeFigureOut">
               <a:rPr lang="zh-TW" altLang="en-US" smtClean="0"/>
-              <a:t>2023/8/29</a:t>
+              <a:t>2023/8/30</a:t>
             </a:fld>
             <a:endParaRPr lang="zh-TW" altLang="en-US"/>
           </a:p>
@@ -455,7 +455,7 @@
           <a:p>
             <a:fld id="{2CB905C5-9D54-40E2-B40C-7996280CAB02}" type="datetimeFigureOut">
               <a:rPr lang="zh-TW" altLang="en-US" smtClean="0"/>
-              <a:t>2023/8/29</a:t>
+              <a:t>2023/8/30</a:t>
             </a:fld>
             <a:endParaRPr lang="zh-TW" altLang="en-US"/>
           </a:p>
@@ -1716,7 +1716,7 @@
           <a:p>
             <a:fld id="{0C0CC965-A63A-473D-BEFB-C8F9714D5269}" type="datetimeFigureOut">
               <a:rPr lang="zh-TW" altLang="en-US" smtClean="0"/>
-              <a:t>2023/8/29</a:t>
+              <a:t>2023/8/30</a:t>
             </a:fld>
             <a:endParaRPr lang="zh-TW" altLang="en-US"/>
           </a:p>
@@ -1884,7 +1884,7 @@
           <a:p>
             <a:fld id="{0C0CC965-A63A-473D-BEFB-C8F9714D5269}" type="datetimeFigureOut">
               <a:rPr lang="zh-TW" altLang="en-US" smtClean="0"/>
-              <a:t>2023/8/29</a:t>
+              <a:t>2023/8/30</a:t>
             </a:fld>
             <a:endParaRPr lang="zh-TW" altLang="en-US"/>
           </a:p>
@@ -2062,7 +2062,7 @@
           <a:p>
             <a:fld id="{0C0CC965-A63A-473D-BEFB-C8F9714D5269}" type="datetimeFigureOut">
               <a:rPr lang="zh-TW" altLang="en-US" smtClean="0"/>
-              <a:t>2023/8/29</a:t>
+              <a:t>2023/8/30</a:t>
             </a:fld>
             <a:endParaRPr lang="zh-TW" altLang="en-US"/>
           </a:p>
@@ -2257,7 +2257,7 @@
           <a:p>
             <a:fld id="{0C0CC965-A63A-473D-BEFB-C8F9714D5269}" type="datetimeFigureOut">
               <a:rPr lang="zh-TW" altLang="en-US" smtClean="0"/>
-              <a:t>2023/8/29</a:t>
+              <a:t>2023/8/30</a:t>
             </a:fld>
             <a:endParaRPr lang="zh-TW" altLang="en-US"/>
           </a:p>
@@ -2502,7 +2502,7 @@
           <a:p>
             <a:fld id="{0C0CC965-A63A-473D-BEFB-C8F9714D5269}" type="datetimeFigureOut">
               <a:rPr lang="zh-TW" altLang="en-US" smtClean="0"/>
-              <a:t>2023/8/29</a:t>
+              <a:t>2023/8/30</a:t>
             </a:fld>
             <a:endParaRPr lang="zh-TW" altLang="en-US"/>
           </a:p>
@@ -2731,7 +2731,7 @@
           <a:p>
             <a:fld id="{0C0CC965-A63A-473D-BEFB-C8F9714D5269}" type="datetimeFigureOut">
               <a:rPr lang="zh-TW" altLang="en-US" smtClean="0"/>
-              <a:t>2023/8/29</a:t>
+              <a:t>2023/8/30</a:t>
             </a:fld>
             <a:endParaRPr lang="zh-TW" altLang="en-US"/>
           </a:p>
@@ -3095,7 +3095,7 @@
           <a:p>
             <a:fld id="{0C0CC965-A63A-473D-BEFB-C8F9714D5269}" type="datetimeFigureOut">
               <a:rPr lang="zh-TW" altLang="en-US" smtClean="0"/>
-              <a:t>2023/8/29</a:t>
+              <a:t>2023/8/30</a:t>
             </a:fld>
             <a:endParaRPr lang="zh-TW" altLang="en-US"/>
           </a:p>
@@ -3212,7 +3212,7 @@
           <a:p>
             <a:fld id="{0C0CC965-A63A-473D-BEFB-C8F9714D5269}" type="datetimeFigureOut">
               <a:rPr lang="zh-TW" altLang="en-US" smtClean="0"/>
-              <a:t>2023/8/29</a:t>
+              <a:t>2023/8/30</a:t>
             </a:fld>
             <a:endParaRPr lang="zh-TW" altLang="en-US"/>
           </a:p>
@@ -3307,7 +3307,7 @@
           <a:p>
             <a:fld id="{0C0CC965-A63A-473D-BEFB-C8F9714D5269}" type="datetimeFigureOut">
               <a:rPr lang="zh-TW" altLang="en-US" smtClean="0"/>
-              <a:t>2023/8/29</a:t>
+              <a:t>2023/8/30</a:t>
             </a:fld>
             <a:endParaRPr lang="zh-TW" altLang="en-US"/>
           </a:p>
@@ -3582,7 +3582,7 @@
           <a:p>
             <a:fld id="{0C0CC965-A63A-473D-BEFB-C8F9714D5269}" type="datetimeFigureOut">
               <a:rPr lang="zh-TW" altLang="en-US" smtClean="0"/>
-              <a:t>2023/8/29</a:t>
+              <a:t>2023/8/30</a:t>
             </a:fld>
             <a:endParaRPr lang="zh-TW" altLang="en-US"/>
           </a:p>
@@ -3834,7 +3834,7 @@
           <a:p>
             <a:fld id="{0C0CC965-A63A-473D-BEFB-C8F9714D5269}" type="datetimeFigureOut">
               <a:rPr lang="zh-TW" altLang="en-US" smtClean="0"/>
-              <a:t>2023/8/29</a:t>
+              <a:t>2023/8/30</a:t>
             </a:fld>
             <a:endParaRPr lang="zh-TW" altLang="en-US"/>
           </a:p>
@@ -4048,7 +4048,7 @@
             <a:fld id="{0C0CC965-A63A-473D-BEFB-C8F9714D5269}" type="datetimeFigureOut">
               <a:rPr lang="zh-TW" altLang="en-US" smtClean="0"/>
               <a:pPr/>
-              <a:t>2023/8/29</a:t>
+              <a:t>2023/8/30</a:t>
             </a:fld>
             <a:endParaRPr lang="zh-TW" altLang="en-US"/>
           </a:p>
@@ -7953,7 +7953,7 @@
                 <a:latin typeface="Times New Roman" panose="02020603050405020304" pitchFamily="18" charset="0"/>
                 <a:ea typeface="標楷體" panose="03000509000000000000" pitchFamily="65" charset="-120"/>
               </a:rPr>
-              <a:t>在醫學上可診斷的資訊。</a:t>
+              <a:t>在醫學上可診斷的資訊</a:t>
             </a:r>
             <a:endParaRPr lang="en-US" altLang="zh-TW" dirty="0">
               <a:latin typeface="Times New Roman" panose="02020603050405020304" pitchFamily="18" charset="0"/>
@@ -7993,13 +7993,10 @@
               </a:rPr>
               <a:t>LVEF</a:t>
             </a:r>
-            <a:r>
-              <a:rPr lang="zh-TW" altLang="en-US" dirty="0">
-                <a:latin typeface="Times New Roman" panose="02020603050405020304" pitchFamily="18" charset="0"/>
-                <a:ea typeface="標楷體" panose="03000509000000000000" pitchFamily="65" charset="-120"/>
-              </a:rPr>
-              <a:t>。</a:t>
-            </a:r>
+            <a:endParaRPr lang="zh-TW" altLang="en-US" dirty="0">
+              <a:latin typeface="Times New Roman" panose="02020603050405020304" pitchFamily="18" charset="0"/>
+              <a:ea typeface="標楷體" panose="03000509000000000000" pitchFamily="65" charset="-120"/>
+            </a:endParaRPr>
           </a:p>
         </p:txBody>
       </p:sp>
